--- a/doc/Coin.pptx
+++ b/doc/Coin.pptx
@@ -13,9 +13,16 @@
     <p:sldId id="267" r:id="rId8"/>
     <p:sldId id="262" r:id="rId9"/>
     <p:sldId id="263" r:id="rId10"/>
-    <p:sldId id="259" r:id="rId11"/>
-    <p:sldId id="264" r:id="rId12"/>
-    <p:sldId id="265" r:id="rId13"/>
+    <p:sldId id="276" r:id="rId11"/>
+    <p:sldId id="280" r:id="rId12"/>
+    <p:sldId id="278" r:id="rId13"/>
+    <p:sldId id="259" r:id="rId14"/>
+    <p:sldId id="264" r:id="rId15"/>
+    <p:sldId id="265" r:id="rId16"/>
+    <p:sldId id="277" r:id="rId17"/>
+    <p:sldId id="273" r:id="rId18"/>
+    <p:sldId id="275" r:id="rId19"/>
+    <p:sldId id="274" r:id="rId20"/>
   </p:sldIdLst>
   <p:sldSz cx="12192000" cy="6858000"/>
   <p:notesSz cx="7103745" cy="10234295"/>
@@ -2699,69 +2706,124 @@
           <a:bodyPr/>
           <a:p>
             <a:r>
+              <a:rPr lang="zh-CN" altLang="en-US">
+                <a:sym typeface="+mn-ea"/>
+              </a:rPr>
+              <a:t>远程</a:t>
+            </a:r>
+            <a:r>
+              <a:rPr lang="en-US" altLang="zh-CN">
+                <a:sym typeface="+mn-ea"/>
+              </a:rPr>
+              <a:t>Producer/Consumer</a:t>
+            </a:r>
+            <a:r>
+              <a:rPr lang="zh-CN" altLang="en-US">
+                <a:sym typeface="+mn-ea"/>
+              </a:rPr>
+              <a:t>连接</a:t>
+            </a:r>
+            <a:r>
+              <a:rPr lang="en-US" altLang="zh-CN">
+                <a:sym typeface="+mn-ea"/>
+              </a:rPr>
+              <a:t>broker</a:t>
+            </a:r>
+            <a:endParaRPr lang="en-US" altLang="zh-CN">
+              <a:sym typeface="+mn-ea"/>
+            </a:endParaRPr>
+          </a:p>
+        </p:txBody>
+      </p:sp>
+      <p:sp>
+        <p:nvSpPr>
+          <p:cNvPr id="3" name="内容占位符 2"/>
+          <p:cNvSpPr>
+            <a:spLocks noGrp="1"/>
+          </p:cNvSpPr>
+          <p:nvPr>
+            <p:ph idx="1"/>
+          </p:nvPr>
+        </p:nvSpPr>
+        <p:spPr/>
+        <p:txBody>
+          <a:bodyPr/>
+          <a:p>
+            <a:r>
+              <a:rPr lang="zh-CN" altLang="en-US"/>
+              <a:t>坑：</a:t>
+            </a:r>
+            <a:endParaRPr lang="zh-CN" altLang="en-US"/>
+          </a:p>
+          <a:p>
+            <a:pPr lvl="1"/>
+            <a:r>
+              <a:rPr lang="zh-CN" altLang="en-US"/>
+              <a:t>https://www.2cto.com/kf/201707/661276.html</a:t>
+            </a:r>
+            <a:endParaRPr lang="zh-CN" altLang="en-US"/>
+          </a:p>
+          <a:p>
+            <a:r>
+              <a:rPr lang="zh-CN" altLang="en-US"/>
+              <a:t>echo "brokerIP1=</a:t>
+            </a:r>
+            <a:r>
               <a:rPr lang="en-US" altLang="zh-CN"/>
-              <a:t>Zookeeper</a:t>
+              <a:t>182.92.150.57</a:t>
+            </a:r>
+            <a:r>
+              <a:rPr lang="zh-CN" altLang="en-US"/>
+              <a:t>" &gt; broker.properties</a:t>
+            </a:r>
+            <a:endParaRPr lang="zh-CN" altLang="en-US"/>
+          </a:p>
+          <a:p>
+            <a:r>
+              <a:rPr lang="zh-CN" altLang="en-US"/>
+              <a:t>nohup sh bin/mqbroker -n </a:t>
+            </a:r>
+            <a:r>
+              <a:rPr lang="en-US" altLang="zh-CN">
+                <a:sym typeface="+mn-ea"/>
+              </a:rPr>
+              <a:t>182.92.150.57</a:t>
+            </a:r>
+            <a:r>
+              <a:rPr lang="zh-CN" altLang="en-US"/>
+              <a:t>:9876 -c </a:t>
+            </a:r>
+            <a:r>
+              <a:rPr lang="zh-CN" altLang="en-US">
+                <a:sym typeface="+mn-ea"/>
+              </a:rPr>
+              <a:t>broker.properties</a:t>
+            </a:r>
+            <a:endParaRPr lang="zh-CN" altLang="en-US">
+              <a:sym typeface="+mn-ea"/>
+            </a:endParaRPr>
+          </a:p>
+          <a:p>
+            <a:endParaRPr lang="zh-CN" altLang="en-US"/>
+          </a:p>
+          <a:p>
+            <a:r>
+              <a:rPr lang="zh-CN" altLang="en-US"/>
+              <a:t>修改以后直接可以在</a:t>
+            </a:r>
+            <a:r>
+              <a:rPr lang="en-US" altLang="zh-CN"/>
+              <a:t>IDE</a:t>
+            </a:r>
+            <a:r>
+              <a:rPr lang="zh-CN" altLang="en-US"/>
+              <a:t>里调试</a:t>
+            </a:r>
+            <a:r>
+              <a:rPr lang="en-US" altLang="zh-CN"/>
+              <a:t>Producer/Consumer/StormSpout</a:t>
             </a:r>
             <a:endParaRPr lang="en-US" altLang="zh-CN"/>
-          </a:p>
-        </p:txBody>
-      </p:sp>
-      <p:sp>
-        <p:nvSpPr>
-          <p:cNvPr id="3" name="内容占位符 2"/>
-          <p:cNvSpPr>
-            <a:spLocks noGrp="1"/>
-          </p:cNvSpPr>
-          <p:nvPr>
-            <p:ph idx="1"/>
-          </p:nvPr>
-        </p:nvSpPr>
-        <p:spPr/>
-        <p:txBody>
-          <a:bodyPr/>
-          <a:p>
-            <a:r>
-              <a:rPr lang="zh-CN" altLang="en-US"/>
-              <a:t>ZOOKEEPER_HOME="/root/Coin/zookeeper"</a:t>
-            </a:r>
-            <a:endParaRPr lang="zh-CN" altLang="en-US"/>
-          </a:p>
-          <a:p>
-            <a:r>
-              <a:rPr lang="zh-CN" altLang="en-US"/>
-              <a:t>PATH="/root/Coin/zookeeper/bin</a:t>
-            </a:r>
-            <a:r>
-              <a:rPr lang="zh-CN" altLang="en-US">
-                <a:sym typeface="+mn-ea"/>
-              </a:rPr>
-              <a:t>"</a:t>
-            </a:r>
-            <a:endParaRPr lang="zh-CN" altLang="en-US"/>
-          </a:p>
-          <a:p>
-            <a:pPr lvl="1"/>
-            <a:r>
-              <a:rPr lang="zh-CN" altLang="en-US"/>
-              <a:t>zkServer.sh start</a:t>
-            </a:r>
-            <a:r>
-              <a:rPr lang="en-US" altLang="zh-CN"/>
-              <a:t>/stop</a:t>
-            </a:r>
-            <a:endParaRPr lang="en-US" altLang="zh-CN"/>
-          </a:p>
-          <a:p>
-            <a:pPr lvl="1"/>
-            <a:r>
-              <a:rPr lang="en-US" altLang="zh-CN"/>
-              <a:t>2181</a:t>
-            </a:r>
-            <a:endParaRPr lang="en-US" altLang="zh-CN"/>
-          </a:p>
-          <a:p>
-            <a:pPr lvl="2"/>
-            <a:endParaRPr lang="zh-CN" altLang="en-US"/>
           </a:p>
         </p:txBody>
       </p:sp>
@@ -2797,6 +2859,247 @@
         <p:txBody>
           <a:bodyPr/>
           <a:p>
+            <a:endParaRPr lang="zh-CN" altLang="en-US"/>
+          </a:p>
+        </p:txBody>
+      </p:sp>
+      <p:sp>
+        <p:nvSpPr>
+          <p:cNvPr id="3" name="内容占位符 2"/>
+          <p:cNvSpPr>
+            <a:spLocks noGrp="1"/>
+          </p:cNvSpPr>
+          <p:nvPr>
+            <p:ph idx="1"/>
+          </p:nvPr>
+        </p:nvSpPr>
+        <p:spPr/>
+        <p:txBody>
+          <a:bodyPr/>
+          <a:p>
+            <a:r>
+              <a:rPr lang="zh-CN" altLang="en-US"/>
+              <a:t>java -cp ExchangeAgg-0.0.1-SNAPSHOT-jar-with-dependencies.jar  com.zdx.rocketmq.TestRocketMQProducer</a:t>
+            </a:r>
+            <a:endParaRPr lang="zh-CN" altLang="en-US"/>
+          </a:p>
+        </p:txBody>
+      </p:sp>
+    </p:spTree>
+  </p:cSld>
+  <p:clrMapOvr>
+    <a:masterClrMapping/>
+  </p:clrMapOvr>
+</p:sld>
+</file>
+
+<file path=ppt/slides/slide12.xml><?xml version="1.0" encoding="utf-8"?>
+<p:sld xmlns:a="http://schemas.openxmlformats.org/drawingml/2006/main" xmlns:r="http://schemas.openxmlformats.org/officeDocument/2006/relationships" xmlns:p="http://schemas.openxmlformats.org/presentationml/2006/main">
+  <p:cSld>
+    <p:spTree>
+      <p:nvGrpSpPr>
+        <p:cNvPr id="1" name=""/>
+        <p:cNvGrpSpPr/>
+        <p:nvPr/>
+      </p:nvGrpSpPr>
+      <p:grpSpPr/>
+      <p:sp>
+        <p:nvSpPr>
+          <p:cNvPr id="2" name="标题 1"/>
+          <p:cNvSpPr>
+            <a:spLocks noGrp="1"/>
+          </p:cNvSpPr>
+          <p:nvPr>
+            <p:ph type="title"/>
+          </p:nvPr>
+        </p:nvSpPr>
+        <p:spPr/>
+        <p:txBody>
+          <a:bodyPr/>
+          <a:p>
+            <a:r>
+              <a:rPr lang="en-US" altLang="zh-CN">
+                <a:sym typeface="+mn-ea"/>
+              </a:rPr>
+              <a:t>Workman -&gt;GatewayWorker</a:t>
+            </a:r>
+            <a:endParaRPr lang="zh-CN" altLang="en-US"/>
+          </a:p>
+        </p:txBody>
+      </p:sp>
+      <p:sp>
+        <p:nvSpPr>
+          <p:cNvPr id="3" name="内容占位符 2"/>
+          <p:cNvSpPr>
+            <a:spLocks noGrp="1"/>
+          </p:cNvSpPr>
+          <p:nvPr>
+            <p:ph idx="1"/>
+          </p:nvPr>
+        </p:nvSpPr>
+        <p:spPr/>
+        <p:txBody>
+          <a:bodyPr/>
+          <a:p>
+            <a:r>
+              <a:rPr lang="en-US" altLang="zh-CN"/>
+              <a:t>php start.php start/stop/restart</a:t>
+            </a:r>
+            <a:endParaRPr lang="en-US" altLang="zh-CN"/>
+          </a:p>
+          <a:p>
+            <a:pPr lvl="1"/>
+            <a:r>
+              <a:rPr lang="en-US" altLang="zh-CN"/>
+              <a:t>register:1238</a:t>
+            </a:r>
+            <a:endParaRPr lang="en-US" altLang="zh-CN"/>
+          </a:p>
+          <a:p>
+            <a:pPr lvl="1"/>
+            <a:r>
+              <a:rPr lang="en-US" altLang="zh-CN"/>
+              <a:t>gateway:8001</a:t>
+            </a:r>
+            <a:endParaRPr lang="en-US" altLang="zh-CN"/>
+          </a:p>
+          <a:p>
+            <a:pPr lvl="1"/>
+            <a:endParaRPr lang="en-US" altLang="zh-CN"/>
+          </a:p>
+        </p:txBody>
+      </p:sp>
+    </p:spTree>
+  </p:cSld>
+  <p:clrMapOvr>
+    <a:masterClrMapping/>
+  </p:clrMapOvr>
+</p:sld>
+</file>
+
+<file path=ppt/slides/slide13.xml><?xml version="1.0" encoding="utf-8"?>
+<p:sld xmlns:a="http://schemas.openxmlformats.org/drawingml/2006/main" xmlns:r="http://schemas.openxmlformats.org/officeDocument/2006/relationships" xmlns:p="http://schemas.openxmlformats.org/presentationml/2006/main">
+  <p:cSld>
+    <p:spTree>
+      <p:nvGrpSpPr>
+        <p:cNvPr id="1" name=""/>
+        <p:cNvGrpSpPr/>
+        <p:nvPr/>
+      </p:nvGrpSpPr>
+      <p:grpSpPr/>
+      <p:sp>
+        <p:nvSpPr>
+          <p:cNvPr id="2" name="标题 1"/>
+          <p:cNvSpPr>
+            <a:spLocks noGrp="1"/>
+          </p:cNvSpPr>
+          <p:nvPr>
+            <p:ph type="title"/>
+          </p:nvPr>
+        </p:nvSpPr>
+        <p:spPr/>
+        <p:txBody>
+          <a:bodyPr/>
+          <a:p>
+            <a:r>
+              <a:rPr lang="en-US" altLang="zh-CN"/>
+              <a:t>Zookeeper</a:t>
+            </a:r>
+            <a:endParaRPr lang="en-US" altLang="zh-CN"/>
+          </a:p>
+        </p:txBody>
+      </p:sp>
+      <p:sp>
+        <p:nvSpPr>
+          <p:cNvPr id="3" name="内容占位符 2"/>
+          <p:cNvSpPr>
+            <a:spLocks noGrp="1"/>
+          </p:cNvSpPr>
+          <p:nvPr>
+            <p:ph idx="1"/>
+          </p:nvPr>
+        </p:nvSpPr>
+        <p:spPr/>
+        <p:txBody>
+          <a:bodyPr/>
+          <a:p>
+            <a:r>
+              <a:rPr lang="zh-CN" altLang="en-US"/>
+              <a:t>ZOOKEEPER_HOME="/root/Coin/zookeeper"</a:t>
+            </a:r>
+            <a:endParaRPr lang="zh-CN" altLang="en-US"/>
+          </a:p>
+          <a:p>
+            <a:r>
+              <a:rPr lang="zh-CN" altLang="en-US"/>
+              <a:t>PATH="/root/Coin/zookeeper/bin</a:t>
+            </a:r>
+            <a:r>
+              <a:rPr lang="zh-CN" altLang="en-US">
+                <a:sym typeface="+mn-ea"/>
+              </a:rPr>
+              <a:t>"</a:t>
+            </a:r>
+            <a:endParaRPr lang="zh-CN" altLang="en-US"/>
+          </a:p>
+          <a:p>
+            <a:pPr lvl="1"/>
+            <a:r>
+              <a:rPr lang="zh-CN" altLang="en-US"/>
+              <a:t>zkServer.sh start</a:t>
+            </a:r>
+            <a:r>
+              <a:rPr lang="en-US" altLang="zh-CN"/>
+              <a:t>/stop</a:t>
+            </a:r>
+            <a:endParaRPr lang="en-US" altLang="zh-CN"/>
+          </a:p>
+          <a:p>
+            <a:pPr lvl="1"/>
+            <a:r>
+              <a:rPr lang="en-US" altLang="zh-CN"/>
+              <a:t>2181</a:t>
+            </a:r>
+            <a:endParaRPr lang="en-US" altLang="zh-CN"/>
+          </a:p>
+          <a:p>
+            <a:pPr lvl="2"/>
+            <a:endParaRPr lang="zh-CN" altLang="en-US"/>
+          </a:p>
+        </p:txBody>
+      </p:sp>
+    </p:spTree>
+  </p:cSld>
+  <p:clrMapOvr>
+    <a:masterClrMapping/>
+  </p:clrMapOvr>
+</p:sld>
+</file>
+
+<file path=ppt/slides/slide14.xml><?xml version="1.0" encoding="utf-8"?>
+<p:sld xmlns:a="http://schemas.openxmlformats.org/drawingml/2006/main" xmlns:r="http://schemas.openxmlformats.org/officeDocument/2006/relationships" xmlns:p="http://schemas.openxmlformats.org/presentationml/2006/main">
+  <p:cSld>
+    <p:spTree>
+      <p:nvGrpSpPr>
+        <p:cNvPr id="1" name=""/>
+        <p:cNvGrpSpPr/>
+        <p:nvPr/>
+      </p:nvGrpSpPr>
+      <p:grpSpPr/>
+      <p:sp>
+        <p:nvSpPr>
+          <p:cNvPr id="2" name="标题 1"/>
+          <p:cNvSpPr>
+            <a:spLocks noGrp="1"/>
+          </p:cNvSpPr>
+          <p:nvPr>
+            <p:ph type="title"/>
+          </p:nvPr>
+        </p:nvSpPr>
+        <p:spPr/>
+        <p:txBody>
+          <a:bodyPr/>
+          <a:p>
             <a:r>
               <a:rPr lang="en-US" altLang="zh-CN"/>
               <a:t>Jstorm</a:t>
@@ -2850,31 +3153,19 @@
               <a:rPr lang="zh-CN" altLang="en-US">
                 <a:sym typeface="+mn-ea"/>
               </a:rPr>
-              <a:t>PATH="</a:t>
+              <a:t>PATH="/root/Coin/</a:t>
+            </a:r>
+            <a:r>
+              <a:rPr lang="en-US" altLang="zh-CN">
+                <a:sym typeface="+mn-ea"/>
+              </a:rPr>
+              <a:t>jstorm</a:t>
             </a:r>
             <a:r>
               <a:rPr lang="zh-CN" altLang="en-US">
                 <a:sym typeface="+mn-ea"/>
               </a:rPr>
-              <a:t>/root/Coin/</a:t>
-            </a:r>
-            <a:r>
-              <a:rPr lang="en-US" altLang="zh-CN">
-                <a:sym typeface="+mn-ea"/>
-              </a:rPr>
-              <a:t>jstorm</a:t>
-            </a:r>
-            <a:r>
-              <a:rPr lang="zh-CN" altLang="en-US">
-                <a:sym typeface="+mn-ea"/>
-              </a:rPr>
-              <a:t>/bin</a:t>
-            </a:r>
-            <a:r>
-              <a:rPr lang="zh-CN" altLang="en-US">
-                <a:sym typeface="+mn-ea"/>
-              </a:rPr>
-              <a:t>"</a:t>
+              <a:t>/bin"</a:t>
             </a:r>
             <a:endParaRPr lang="zh-CN" altLang="en-US"/>
           </a:p>
@@ -2889,12 +3180,12 @@
             <a:pPr lvl="1"/>
             <a:r>
               <a:rPr lang="zh-CN" altLang="en-US">
-                <a:hlinkClick r:id="rId1" tooltip=""/>
+                <a:hlinkClick r:id="rId1"/>
               </a:rPr>
               <a:t>http://blog.csdn.net/szzhaom/article/details/41778763</a:t>
             </a:r>
             <a:endParaRPr lang="zh-CN" altLang="en-US">
-              <a:hlinkClick r:id="rId1" tooltip=""/>
+              <a:hlinkClick r:id="rId1"/>
             </a:endParaRPr>
           </a:p>
           <a:p>
@@ -2934,7 +3225,7 @@
               <a:t>"</a:t>
             </a:r>
             <a:endParaRPr lang="en-US" altLang="zh-CN">
-              <a:hlinkClick r:id="rId1" tooltip=""/>
+              <a:hlinkClick r:id="rId1"/>
             </a:endParaRPr>
           </a:p>
           <a:p>
@@ -2968,6 +3259,584 @@
               <a:t>$JSTORM_HOME/logs/supervisor.log</a:t>
             </a:r>
             <a:endParaRPr lang="zh-CN" altLang="en-US"/>
+          </a:p>
+        </p:txBody>
+      </p:sp>
+    </p:spTree>
+  </p:cSld>
+  <p:clrMapOvr>
+    <a:masterClrMapping/>
+  </p:clrMapOvr>
+</p:sld>
+</file>
+
+<file path=ppt/slides/slide15.xml><?xml version="1.0" encoding="utf-8"?>
+<p:sld xmlns:a="http://schemas.openxmlformats.org/drawingml/2006/main" xmlns:r="http://schemas.openxmlformats.org/officeDocument/2006/relationships" xmlns:p="http://schemas.openxmlformats.org/presentationml/2006/main">
+  <p:cSld>
+    <p:spTree>
+      <p:nvGrpSpPr>
+        <p:cNvPr id="1" name=""/>
+        <p:cNvGrpSpPr/>
+        <p:nvPr/>
+      </p:nvGrpSpPr>
+      <p:grpSpPr/>
+      <p:sp>
+        <p:nvSpPr>
+          <p:cNvPr id="2" name="标题 1"/>
+          <p:cNvSpPr>
+            <a:spLocks noGrp="1"/>
+          </p:cNvSpPr>
+          <p:nvPr>
+            <p:ph type="title"/>
+          </p:nvPr>
+        </p:nvSpPr>
+        <p:spPr/>
+        <p:txBody>
+          <a:bodyPr/>
+          <a:p>
+            <a:r>
+              <a:rPr lang="en-US" altLang="zh-CN"/>
+              <a:t>JStorm ui</a:t>
+            </a:r>
+            <a:endParaRPr lang="en-US" altLang="zh-CN"/>
+          </a:p>
+        </p:txBody>
+      </p:sp>
+      <p:sp>
+        <p:nvSpPr>
+          <p:cNvPr id="3" name="内容占位符 2"/>
+          <p:cNvSpPr>
+            <a:spLocks noGrp="1"/>
+          </p:cNvSpPr>
+          <p:nvPr>
+            <p:ph idx="1"/>
+          </p:nvPr>
+        </p:nvSpPr>
+        <p:spPr/>
+        <p:txBody>
+          <a:bodyPr/>
+          <a:p>
+            <a:r>
+              <a:rPr lang="en-US" altLang="zh-CN"/>
+              <a:t>Conf/server.xml</a:t>
+            </a:r>
+            <a:endParaRPr lang="en-US" altLang="zh-CN"/>
+          </a:p>
+          <a:p>
+            <a:pPr lvl="1"/>
+            <a:r>
+              <a:rPr lang="en-US" altLang="zh-CN"/>
+              <a:t>&lt;Connector port="8081" protocol="HTTP/1.1"</a:t>
+            </a:r>
+            <a:endParaRPr lang="en-US" altLang="zh-CN"/>
+          </a:p>
+          <a:p>
+            <a:pPr lvl="1"/>
+            <a:r>
+              <a:rPr lang="en-US" altLang="zh-CN"/>
+              <a:t>&lt;Host name="182.92.150.57"  appBase="webapps"</a:t>
+            </a:r>
+            <a:endParaRPr lang="en-US" altLang="zh-CN"/>
+          </a:p>
+          <a:p>
+            <a:pPr lvl="1"/>
+            <a:r>
+              <a:rPr lang="en-US" altLang="zh-CN"/>
+              <a:t>&lt;Context docBase="/root/Coin/apache-tomcat-7.0.82/webapps/jstorm-ui-2.2.1.war" path="/jstorm" reloadable = "true" /&gt;</a:t>
+            </a:r>
+            <a:endParaRPr lang="en-US" altLang="zh-CN"/>
+          </a:p>
+          <a:p>
+            <a:pPr lvl="0"/>
+            <a:r>
+              <a:rPr lang="en-US" altLang="zh-CN"/>
+              <a:t>./bin/catalina.sh start</a:t>
+            </a:r>
+            <a:endParaRPr lang="en-US" altLang="zh-CN"/>
+          </a:p>
+          <a:p>
+            <a:pPr lvl="0"/>
+            <a:r>
+              <a:rPr lang="en-US" altLang="zh-CN"/>
+              <a:t>http://182.92.150.57:8081/jstorm/</a:t>
+            </a:r>
+            <a:endParaRPr lang="en-US" altLang="zh-CN"/>
+          </a:p>
+          <a:p>
+            <a:pPr lvl="0"/>
+            <a:endParaRPr lang="en-US" altLang="zh-CN"/>
+          </a:p>
+        </p:txBody>
+      </p:sp>
+    </p:spTree>
+  </p:cSld>
+  <p:clrMapOvr>
+    <a:masterClrMapping/>
+  </p:clrMapOvr>
+</p:sld>
+</file>
+
+<file path=ppt/slides/slide16.xml><?xml version="1.0" encoding="utf-8"?>
+<p:sld xmlns:a="http://schemas.openxmlformats.org/drawingml/2006/main" xmlns:r="http://schemas.openxmlformats.org/officeDocument/2006/relationships" xmlns:p="http://schemas.openxmlformats.org/presentationml/2006/main">
+  <p:cSld>
+    <p:spTree>
+      <p:nvGrpSpPr>
+        <p:cNvPr id="1" name=""/>
+        <p:cNvGrpSpPr/>
+        <p:nvPr/>
+      </p:nvGrpSpPr>
+      <p:grpSpPr/>
+      <p:sp>
+        <p:nvSpPr>
+          <p:cNvPr id="2" name="标题 1"/>
+          <p:cNvSpPr>
+            <a:spLocks noGrp="1"/>
+          </p:cNvSpPr>
+          <p:nvPr>
+            <p:ph type="title"/>
+          </p:nvPr>
+        </p:nvSpPr>
+        <p:spPr/>
+        <p:txBody>
+          <a:bodyPr/>
+          <a:p>
+            <a:r>
+              <a:rPr lang="en-US" altLang="zh-CN"/>
+              <a:t>Jstorm</a:t>
+            </a:r>
+            <a:endParaRPr lang="en-US" altLang="zh-CN"/>
+          </a:p>
+        </p:txBody>
+      </p:sp>
+      <p:sp>
+        <p:nvSpPr>
+          <p:cNvPr id="3" name="内容占位符 2"/>
+          <p:cNvSpPr>
+            <a:spLocks noGrp="1"/>
+          </p:cNvSpPr>
+          <p:nvPr>
+            <p:ph idx="1"/>
+          </p:nvPr>
+        </p:nvSpPr>
+        <p:spPr/>
+        <p:txBody>
+          <a:bodyPr/>
+          <a:p>
+            <a:r>
+              <a:rPr lang="zh-CN" altLang="en-US"/>
+              <a:t>提交</a:t>
+            </a:r>
+            <a:r>
+              <a:rPr lang="en-US" altLang="zh-CN"/>
+              <a:t>Topology</a:t>
+            </a:r>
+            <a:endParaRPr lang="en-US" altLang="zh-CN"/>
+          </a:p>
+          <a:p>
+            <a:pPr lvl="1"/>
+            <a:r>
+              <a:rPr lang="zh-CN" altLang="en-US"/>
+              <a:t>jstorm jar xxxxxx.jar com.alibaba.xxxx.xx parameter</a:t>
+            </a:r>
+            <a:endParaRPr lang="zh-CN" altLang="en-US"/>
+          </a:p>
+          <a:p>
+            <a:pPr lvl="1"/>
+            <a:r>
+              <a:rPr lang="zh-CN" altLang="en-US"/>
+              <a:t>jstorm jar ExchangeAgg-0.0.1-SNAPSHOT-jar-with-dependencies.jar com.zdx.storm.TestStormTopology teststorm.yaml</a:t>
+            </a:r>
+            <a:endParaRPr lang="zh-CN" altLang="en-US"/>
+          </a:p>
+          <a:p>
+            <a:r>
+              <a:rPr lang="zh-CN" altLang="en-US"/>
+              <a:t>jstorm list</a:t>
+            </a:r>
+            <a:endParaRPr lang="zh-CN" altLang="en-US"/>
+          </a:p>
+        </p:txBody>
+      </p:sp>
+    </p:spTree>
+  </p:cSld>
+  <p:clrMapOvr>
+    <a:masterClrMapping/>
+  </p:clrMapOvr>
+</p:sld>
+</file>
+
+<file path=ppt/slides/slide17.xml><?xml version="1.0" encoding="utf-8"?>
+<p:sld xmlns:a="http://schemas.openxmlformats.org/drawingml/2006/main" xmlns:r="http://schemas.openxmlformats.org/officeDocument/2006/relationships" xmlns:p="http://schemas.openxmlformats.org/presentationml/2006/main">
+  <p:cSld>
+    <p:spTree>
+      <p:nvGrpSpPr>
+        <p:cNvPr id="1" name=""/>
+        <p:cNvGrpSpPr/>
+        <p:nvPr/>
+      </p:nvGrpSpPr>
+      <p:grpSpPr/>
+      <p:sp>
+        <p:nvSpPr>
+          <p:cNvPr id="2" name="标题 1"/>
+          <p:cNvSpPr>
+            <a:spLocks noGrp="1"/>
+          </p:cNvSpPr>
+          <p:nvPr>
+            <p:ph type="title"/>
+          </p:nvPr>
+        </p:nvSpPr>
+        <p:spPr/>
+        <p:txBody>
+          <a:bodyPr/>
+          <a:p>
+            <a:endParaRPr lang="zh-CN" altLang="en-US"/>
+          </a:p>
+        </p:txBody>
+      </p:sp>
+      <p:sp>
+        <p:nvSpPr>
+          <p:cNvPr id="3" name="内容占位符 2"/>
+          <p:cNvSpPr>
+            <a:spLocks noGrp="1"/>
+          </p:cNvSpPr>
+          <p:nvPr>
+            <p:ph idx="1"/>
+          </p:nvPr>
+        </p:nvSpPr>
+        <p:spPr/>
+        <p:txBody>
+          <a:bodyPr>
+            <a:normAutofit fontScale="80000"/>
+          </a:bodyPr>
+          <a:p>
+            <a:r>
+              <a:rPr lang="zh-CN" altLang="en-US" sz="2800">
+                <a:sym typeface="+mn-ea"/>
+              </a:rPr>
+              <a:t>生产消息</a:t>
+            </a:r>
+            <a:endParaRPr lang="zh-CN" altLang="en-US" sz="2800"/>
+          </a:p>
+          <a:p>
+            <a:pPr lvl="1"/>
+            <a:r>
+              <a:rPr lang="en-US" altLang="zh-CN" sz="2800">
+                <a:sym typeface="+mn-ea"/>
+              </a:rPr>
+              <a:t>Parallec </a:t>
+            </a:r>
+            <a:r>
+              <a:rPr lang="zh-CN" altLang="en-US" sz="2800">
+                <a:sym typeface="+mn-ea"/>
+              </a:rPr>
+              <a:t>采集数据 发送给 </a:t>
+            </a:r>
+            <a:r>
+              <a:rPr lang="en-US" altLang="zh-CN" sz="2800">
+                <a:sym typeface="+mn-ea"/>
+              </a:rPr>
+              <a:t>RocketMQ</a:t>
+            </a:r>
+            <a:r>
+              <a:rPr lang="zh-CN" altLang="en-US" sz="2800">
+                <a:sym typeface="+mn-ea"/>
+              </a:rPr>
+              <a:t>的</a:t>
+            </a:r>
+            <a:r>
+              <a:rPr lang="en-US" altLang="zh-CN" sz="2800">
+                <a:sym typeface="+mn-ea"/>
+              </a:rPr>
+              <a:t>broker</a:t>
+            </a:r>
+            <a:endParaRPr lang="en-US" altLang="zh-CN" sz="2800"/>
+          </a:p>
+          <a:p>
+            <a:pPr lvl="0"/>
+            <a:r>
+              <a:rPr lang="zh-CN" altLang="en-US" sz="2800">
+                <a:sym typeface="+mn-ea"/>
+              </a:rPr>
+              <a:t>消费消息</a:t>
+            </a:r>
+            <a:endParaRPr lang="zh-CN" altLang="en-US" sz="2800"/>
+          </a:p>
+          <a:p>
+            <a:pPr lvl="1"/>
+            <a:r>
+              <a:rPr lang="zh-CN" altLang="en-US" sz="2800">
+                <a:sym typeface="+mn-ea"/>
+              </a:rPr>
+              <a:t>从</a:t>
+            </a:r>
+            <a:r>
+              <a:rPr lang="en-US" altLang="zh-CN" sz="2800">
+                <a:sym typeface="+mn-ea"/>
+              </a:rPr>
+              <a:t>RocketMQ</a:t>
+            </a:r>
+            <a:r>
+              <a:rPr lang="zh-CN" altLang="en-US" sz="2800">
+                <a:sym typeface="+mn-ea"/>
+              </a:rPr>
+              <a:t>的</a:t>
+            </a:r>
+            <a:r>
+              <a:rPr lang="en-US" altLang="zh-CN" sz="2800">
+                <a:sym typeface="+mn-ea"/>
+              </a:rPr>
+              <a:t>broker</a:t>
+            </a:r>
+            <a:r>
+              <a:rPr lang="zh-CN" altLang="en-US" sz="2800">
+                <a:sym typeface="+mn-ea"/>
+              </a:rPr>
+              <a:t>取出消息</a:t>
+            </a:r>
+            <a:endParaRPr lang="zh-CN" altLang="en-US" sz="2800">
+              <a:sym typeface="+mn-ea"/>
+            </a:endParaRPr>
+          </a:p>
+          <a:p>
+            <a:pPr lvl="1"/>
+            <a:r>
+              <a:rPr lang="zh-CN" altLang="en-US" sz="2800">
+                <a:sym typeface="+mn-ea"/>
+              </a:rPr>
+              <a:t>将消息发送给</a:t>
+            </a:r>
+            <a:r>
+              <a:rPr lang="en-US" altLang="zh-CN" sz="2800">
+                <a:sym typeface="+mn-ea"/>
+              </a:rPr>
+              <a:t>GatewayWorker</a:t>
+            </a:r>
+            <a:endParaRPr lang="en-US" altLang="zh-CN" sz="2800">
+              <a:sym typeface="+mn-ea"/>
+            </a:endParaRPr>
+          </a:p>
+          <a:p>
+            <a:pPr lvl="0"/>
+            <a:r>
+              <a:rPr lang="zh-CN" altLang="en-US" sz="3265">
+                <a:sym typeface="+mn-ea"/>
+              </a:rPr>
+              <a:t>客户端连接</a:t>
+            </a:r>
+            <a:r>
+              <a:rPr lang="en-US" altLang="zh-CN" sz="3265">
+                <a:sym typeface="+mn-ea"/>
+              </a:rPr>
+              <a:t>GatewayWorker</a:t>
+            </a:r>
+            <a:endParaRPr lang="en-US" altLang="zh-CN" sz="3265">
+              <a:sym typeface="+mn-ea"/>
+            </a:endParaRPr>
+          </a:p>
+          <a:p>
+            <a:pPr lvl="1"/>
+            <a:r>
+              <a:rPr lang="en-US" altLang="zh-CN" sz="2395">
+                <a:sym typeface="+mn-ea"/>
+              </a:rPr>
+              <a:t>GatewayWorker</a:t>
+            </a:r>
+            <a:r>
+              <a:rPr lang="zh-CN" altLang="en-US" sz="2395">
+                <a:sym typeface="+mn-ea"/>
+              </a:rPr>
+              <a:t>将消息推送到浏览器</a:t>
+            </a:r>
+            <a:endParaRPr lang="zh-CN" altLang="en-US" sz="2395">
+              <a:sym typeface="+mn-ea"/>
+            </a:endParaRPr>
+          </a:p>
+          <a:p>
+            <a:endParaRPr lang="zh-CN" altLang="en-US"/>
+          </a:p>
+          <a:p>
+            <a:r>
+              <a:rPr lang="zh-CN" altLang="en-US"/>
+              <a:t>Res = {"date":"1509326916","ticker":{"high":"314.95","vol":"668.68","last":"311.18","low":"293.68","buy":"310.15","sell":"311.18"},</a:t>
+            </a:r>
+            <a:r>
+              <a:rPr lang="zh-CN" altLang="en-US">
+                <a:solidFill>
+                  <a:srgbClr val="FF0000"/>
+                </a:solidFill>
+              </a:rPr>
+              <a:t>"host":"okcoin.com"</a:t>
+            </a:r>
+            <a:r>
+              <a:rPr lang="zh-CN" altLang="en-US"/>
+              <a:t>}</a:t>
+            </a:r>
+            <a:endParaRPr lang="zh-CN" altLang="en-US"/>
+          </a:p>
+          <a:p>
+            <a:endParaRPr lang="zh-CN" altLang="en-US"/>
+          </a:p>
+        </p:txBody>
+      </p:sp>
+    </p:spTree>
+  </p:cSld>
+  <p:clrMapOvr>
+    <a:masterClrMapping/>
+  </p:clrMapOvr>
+</p:sld>
+</file>
+
+<file path=ppt/slides/slide18.xml><?xml version="1.0" encoding="utf-8"?>
+<p:sld xmlns:a="http://schemas.openxmlformats.org/drawingml/2006/main" xmlns:r="http://schemas.openxmlformats.org/officeDocument/2006/relationships" xmlns:p="http://schemas.openxmlformats.org/presentationml/2006/main">
+  <p:cSld>
+    <p:spTree>
+      <p:nvGrpSpPr>
+        <p:cNvPr id="1" name=""/>
+        <p:cNvGrpSpPr/>
+        <p:nvPr/>
+      </p:nvGrpSpPr>
+      <p:grpSpPr/>
+      <p:sp>
+        <p:nvSpPr>
+          <p:cNvPr id="2" name="标题 1"/>
+          <p:cNvSpPr>
+            <a:spLocks noGrp="1"/>
+          </p:cNvSpPr>
+          <p:nvPr>
+            <p:ph type="title"/>
+          </p:nvPr>
+        </p:nvSpPr>
+        <p:spPr/>
+        <p:txBody>
+          <a:bodyPr/>
+          <a:p>
+            <a:endParaRPr lang="en-US" altLang="zh-CN"/>
+          </a:p>
+        </p:txBody>
+      </p:sp>
+      <p:sp>
+        <p:nvSpPr>
+          <p:cNvPr id="3" name="内容占位符 2"/>
+          <p:cNvSpPr>
+            <a:spLocks noGrp="1"/>
+          </p:cNvSpPr>
+          <p:nvPr>
+            <p:ph idx="1"/>
+          </p:nvPr>
+        </p:nvSpPr>
+        <p:spPr/>
+        <p:txBody>
+          <a:bodyPr/>
+          <a:p>
+            <a:r>
+              <a:rPr lang="zh-CN" altLang="en-US"/>
+              <a:t>生产消息</a:t>
+            </a:r>
+            <a:endParaRPr lang="zh-CN" altLang="en-US"/>
+          </a:p>
+          <a:p>
+            <a:pPr lvl="1"/>
+            <a:r>
+              <a:rPr lang="en-US" altLang="zh-CN"/>
+              <a:t>Parallec </a:t>
+            </a:r>
+            <a:r>
+              <a:rPr lang="zh-CN" altLang="en-US"/>
+              <a:t>采集数据 发送给 </a:t>
+            </a:r>
+            <a:r>
+              <a:rPr lang="en-US" altLang="zh-CN"/>
+              <a:t>RocketMQ</a:t>
+            </a:r>
+            <a:r>
+              <a:rPr lang="zh-CN" altLang="en-US"/>
+              <a:t>的</a:t>
+            </a:r>
+            <a:r>
+              <a:rPr lang="en-US" altLang="zh-CN"/>
+              <a:t>broker</a:t>
+            </a:r>
+            <a:endParaRPr lang="en-US" altLang="zh-CN"/>
+          </a:p>
+          <a:p>
+            <a:pPr lvl="0"/>
+            <a:r>
+              <a:rPr lang="zh-CN" altLang="en-US"/>
+              <a:t>消费消息</a:t>
+            </a:r>
+            <a:endParaRPr lang="zh-CN" altLang="en-US"/>
+          </a:p>
+          <a:p>
+            <a:pPr lvl="1"/>
+            <a:r>
+              <a:rPr lang="zh-CN" altLang="en-US">
+                <a:sym typeface="+mn-ea"/>
+              </a:rPr>
+              <a:t>从</a:t>
+            </a:r>
+            <a:r>
+              <a:rPr lang="en-US" altLang="zh-CN">
+                <a:sym typeface="+mn-ea"/>
+              </a:rPr>
+              <a:t>RocketMQ</a:t>
+            </a:r>
+            <a:r>
+              <a:rPr lang="zh-CN" altLang="en-US">
+                <a:sym typeface="+mn-ea"/>
+              </a:rPr>
+              <a:t>的</a:t>
+            </a:r>
+            <a:r>
+              <a:rPr lang="en-US" altLang="zh-CN">
+                <a:sym typeface="+mn-ea"/>
+              </a:rPr>
+              <a:t>broker</a:t>
+            </a:r>
+            <a:r>
+              <a:rPr lang="zh-CN" altLang="en-US">
+                <a:sym typeface="+mn-ea"/>
+              </a:rPr>
+              <a:t>取出消息</a:t>
+            </a:r>
+            <a:endParaRPr lang="zh-CN" altLang="en-US">
+              <a:sym typeface="+mn-ea"/>
+            </a:endParaRPr>
+          </a:p>
+          <a:p>
+            <a:pPr lvl="1"/>
+            <a:r>
+              <a:rPr lang="zh-CN" altLang="en-US">
+                <a:sym typeface="+mn-ea"/>
+              </a:rPr>
+              <a:t>单独消费</a:t>
+            </a:r>
+            <a:endParaRPr lang="zh-CN" altLang="en-US">
+              <a:sym typeface="+mn-ea"/>
+            </a:endParaRPr>
+          </a:p>
+          <a:p>
+            <a:pPr lvl="1"/>
+            <a:r>
+              <a:rPr lang="zh-CN" altLang="en-US">
+                <a:sym typeface="+mn-ea"/>
+              </a:rPr>
+              <a:t>传递消息给</a:t>
+            </a:r>
+            <a:r>
+              <a:rPr lang="en-US" altLang="zh-CN">
+                <a:sym typeface="+mn-ea"/>
+              </a:rPr>
+              <a:t>J</a:t>
+            </a:r>
+            <a:r>
+              <a:rPr lang="en-US" altLang="zh-CN">
+                <a:sym typeface="+mn-ea"/>
+              </a:rPr>
+              <a:t>Storm</a:t>
+            </a:r>
+            <a:endParaRPr lang="en-US" altLang="zh-CN">
+              <a:sym typeface="+mn-ea"/>
+            </a:endParaRPr>
           </a:p>
         </p:txBody>
       </p:sp>
@@ -3547,7 +4416,9 @@
         </p:nvSpPr>
         <p:spPr/>
         <p:txBody>
-          <a:bodyPr/>
+          <a:bodyPr>
+            <a:normAutofit lnSpcReduction="10000"/>
+          </a:bodyPr>
           <a:p>
             <a:r>
               <a:rPr lang="zh-CN" altLang="en-US"/>
@@ -3567,6 +4438,14 @@
             <a:pPr lvl="1"/>
             <a:r>
               <a:rPr lang="zh-CN" altLang="en-US"/>
+              <a:t>nohup sh bin/mqnamesrv -n 182.92.150.57:9876 &amp;</a:t>
+            </a:r>
+            <a:endParaRPr lang="zh-CN" altLang="en-US"/>
+          </a:p>
+          <a:p>
+            <a:pPr lvl="1"/>
+            <a:r>
+              <a:rPr lang="zh-CN" altLang="en-US"/>
               <a:t>tail -f ~/logs/rocketmqlogs/namesrv.log</a:t>
             </a:r>
             <a:endParaRPr lang="zh-CN" altLang="en-US"/>
@@ -3584,6 +4463,16 @@
             <a:r>
               <a:rPr lang="zh-CN" altLang="en-US"/>
               <a:t>nohup sh bin/mqbroker -n localhost:9876 &amp;</a:t>
+            </a:r>
+            <a:endParaRPr lang="zh-CN" altLang="en-US"/>
+          </a:p>
+          <a:p>
+            <a:pPr lvl="1"/>
+            <a:r>
+              <a:rPr lang="zh-CN" altLang="en-US">
+                <a:sym typeface="+mn-ea"/>
+              </a:rPr>
+              <a:t>nohup sh bin/mqbroker -n 182.92.150.57:9876 &amp;</a:t>
             </a:r>
             <a:endParaRPr lang="zh-CN" altLang="en-US"/>
           </a:p>
@@ -3654,54 +4543,153 @@
           <a:bodyPr/>
           <a:p>
             <a:r>
+              <a:rPr lang="en-US" altLang="zh-CN"/>
+              <a:t>RocketMQ </a:t>
+            </a:r>
+            <a:r>
+              <a:rPr lang="zh-CN" altLang="en-US"/>
+              <a:t>可视化管理控制台</a:t>
+            </a:r>
+            <a:endParaRPr lang="zh-CN" altLang="en-US"/>
+          </a:p>
+        </p:txBody>
+      </p:sp>
+      <p:sp>
+        <p:nvSpPr>
+          <p:cNvPr id="3" name="内容占位符 2"/>
+          <p:cNvSpPr>
+            <a:spLocks noGrp="1"/>
+          </p:cNvSpPr>
+          <p:nvPr>
+            <p:ph idx="1"/>
+          </p:nvPr>
+        </p:nvSpPr>
+        <p:spPr>
+          <a:xfrm>
+            <a:off x="845820" y="1456055"/>
+            <a:ext cx="10749280" cy="5059045"/>
+          </a:xfrm>
+        </p:spPr>
+        <p:txBody>
+          <a:bodyPr>
+            <a:normAutofit fontScale="90000"/>
+          </a:bodyPr>
+          <a:p>
+            <a:r>
+              <a:rPr lang="en-US" altLang="zh-CN"/>
+              <a:t>git clone https://github.com/apache/rocketmq-externals.git</a:t>
+            </a:r>
+            <a:endParaRPr lang="en-US" altLang="zh-CN"/>
+          </a:p>
+          <a:p>
+            <a:r>
+              <a:rPr lang="en-US"/>
+              <a:t>Setup</a:t>
+            </a:r>
+            <a:endParaRPr lang="en-US"/>
+          </a:p>
+          <a:p>
+            <a:pPr lvl="1"/>
+            <a:r>
+              <a:rPr lang="zh-CN" altLang="en-US"/>
+              <a:t>/root/Coin/rocketmq-externals/rocketmq-console/src/main/resources</a:t>
+            </a:r>
+            <a:r>
+              <a:rPr lang="en-US" altLang="zh-CN"/>
+              <a:t>/application.properties</a:t>
+            </a:r>
+            <a:endParaRPr lang="en-US" altLang="zh-CN"/>
+          </a:p>
+          <a:p>
+            <a:pPr lvl="2"/>
+            <a:r>
+              <a:rPr lang="en-US" altLang="zh-CN"/>
+              <a:t>server.port=8080</a:t>
+            </a:r>
+            <a:endParaRPr lang="en-US" altLang="zh-CN"/>
+          </a:p>
+          <a:p>
+            <a:pPr lvl="2"/>
+            <a:r>
+              <a:rPr lang="en-US" altLang="zh-CN"/>
+              <a:t>rocketmq.config.namesrvAddr=</a:t>
+            </a:r>
+            <a:endParaRPr lang="en-US" altLang="zh-CN"/>
+          </a:p>
+          <a:p>
+            <a:pPr lvl="1"/>
+            <a:r>
+              <a:rPr lang="en-US" altLang="zh-CN" sz="2400"/>
+              <a:t>mvn clean package -Dmaven.test.skip=true</a:t>
+            </a:r>
+            <a:endParaRPr lang="en-US" altLang="zh-CN" sz="2400"/>
+          </a:p>
+          <a:p>
+            <a:pPr lvl="1"/>
+            <a:r>
+              <a:rPr lang="en-US" altLang="zh-CN" sz="2400"/>
+              <a:t>java -jar target/rocketmq-console-ng-1.0.0.jar</a:t>
+            </a:r>
+            <a:endParaRPr lang="en-US" altLang="zh-CN" sz="2400"/>
+          </a:p>
+          <a:p>
+            <a:r>
+              <a:rPr lang="zh-CN" altLang="en-US"/>
+              <a:t>java -jar rocketmq-console-ng-1.0.0.jar --server.port=12581 --rocketmq.config.namesrvAddr=</a:t>
+            </a:r>
+            <a:r>
+              <a:rPr lang="zh-CN" altLang="en-US">
+                <a:sym typeface="+mn-ea"/>
+              </a:rPr>
+              <a:t>182.92.150.57</a:t>
+            </a:r>
+            <a:r>
+              <a:rPr lang="zh-CN" altLang="en-US"/>
+              <a:t>:9876</a:t>
+            </a:r>
+            <a:endParaRPr lang="zh-CN" altLang="en-US"/>
+          </a:p>
+          <a:p>
+            <a:r>
+              <a:rPr lang="en-US" altLang="zh-CN"/>
+              <a:t>export NAMESRV_ADDR=</a:t>
+            </a:r>
+            <a:r>
+              <a:rPr lang="zh-CN" altLang="en-US">
+                <a:sym typeface="+mn-ea"/>
+              </a:rPr>
+              <a:t>182.92.150.57</a:t>
+            </a:r>
+            <a:r>
+              <a:rPr lang="zh-CN" altLang="en-US">
+                <a:sym typeface="+mn-ea"/>
+              </a:rPr>
+              <a:t>:9876</a:t>
+            </a:r>
+            <a:endParaRPr lang="en-US" altLang="zh-CN"/>
+          </a:p>
+          <a:p>
+            <a:r>
+              <a:rPr lang="zh-CN" altLang="en-US">
+                <a:sym typeface="+mn-ea"/>
+              </a:rPr>
+              <a:t>182.92.150.57</a:t>
+            </a:r>
+            <a:r>
               <a:rPr lang="en-US" altLang="zh-CN">
                 <a:sym typeface="+mn-ea"/>
               </a:rPr>
-              <a:t>Workman -&gt;GatewayWorker</a:t>
-            </a:r>
-            <a:endParaRPr lang="zh-CN" altLang="en-US"/>
-          </a:p>
-        </p:txBody>
-      </p:sp>
-      <p:sp>
-        <p:nvSpPr>
-          <p:cNvPr id="3" name="内容占位符 2"/>
-          <p:cNvSpPr>
-            <a:spLocks noGrp="1"/>
-          </p:cNvSpPr>
-          <p:nvPr>
-            <p:ph idx="1"/>
-          </p:nvPr>
-        </p:nvSpPr>
-        <p:spPr/>
-        <p:txBody>
-          <a:bodyPr/>
-          <a:p>
-            <a:r>
-              <a:rPr lang="en-US" altLang="zh-CN"/>
-              <a:t>php start.php start/stop/restart</a:t>
-            </a:r>
-            <a:endParaRPr lang="en-US" altLang="zh-CN"/>
-          </a:p>
-          <a:p>
-            <a:pPr lvl="1"/>
-            <a:r>
-              <a:rPr lang="en-US" altLang="zh-CN"/>
-              <a:t>register:1238</a:t>
-            </a:r>
-            <a:endParaRPr lang="en-US" altLang="zh-CN"/>
-          </a:p>
-          <a:p>
-            <a:pPr lvl="1"/>
-            <a:r>
-              <a:rPr lang="en-US" altLang="zh-CN"/>
-              <a:t>gateway:8001</a:t>
-            </a:r>
-            <a:endParaRPr lang="en-US" altLang="zh-CN"/>
-          </a:p>
-          <a:p>
-            <a:pPr lvl="1"/>
-            <a:endParaRPr lang="en-US" altLang="zh-CN"/>
+              <a:t>:</a:t>
+            </a:r>
+            <a:r>
+              <a:rPr lang="zh-CN" altLang="en-US">
+                <a:sym typeface="+mn-ea"/>
+              </a:rPr>
+              <a:t>12581</a:t>
+            </a:r>
+            <a:endParaRPr lang="en-US" altLang="zh-CN">
+              <a:sym typeface="+mn-ea"/>
+            </a:endParaRPr>
           </a:p>
         </p:txBody>
       </p:sp>

--- a/doc/Coin.pptx
+++ b/doc/Coin.pptx
@@ -2859,6 +2859,10 @@
         <p:txBody>
           <a:bodyPr/>
           <a:p>
+            <a:r>
+              <a:rPr lang="zh-CN" altLang="en-US"/>
+              <a:t>生产、消费</a:t>
+            </a:r>
             <a:endParaRPr lang="zh-CN" altLang="en-US"/>
           </a:p>
         </p:txBody>
@@ -2881,6 +2885,26 @@
               <a:rPr lang="zh-CN" altLang="en-US"/>
               <a:t>java -cp ExchangeAgg-0.0.1-SNAPSHOT-jar-with-dependencies.jar  com.zdx.rocketmq.TestRocketMQProducer</a:t>
             </a:r>
+            <a:endParaRPr lang="zh-CN" altLang="en-US"/>
+          </a:p>
+          <a:p>
+            <a:r>
+              <a:rPr lang="zh-CN" altLang="en-US">
+                <a:sym typeface="+mn-ea"/>
+              </a:rPr>
+              <a:t>java -cp ExchangeAgg-0.0.1-SNAPSHOT-jar-with-dependencies.jar  com.zdx.rocketmq.TestRocketMQ</a:t>
+            </a:r>
+            <a:r>
+              <a:rPr lang="en-US" altLang="zh-CN">
+                <a:sym typeface="+mn-ea"/>
+              </a:rPr>
+              <a:t>Consumer</a:t>
+            </a:r>
+            <a:endParaRPr lang="en-US" altLang="zh-CN">
+              <a:sym typeface="+mn-ea"/>
+            </a:endParaRPr>
+          </a:p>
+          <a:p>
             <a:endParaRPr lang="zh-CN" altLang="en-US"/>
           </a:p>
         </p:txBody>
@@ -2943,7 +2967,15 @@
           <a:p>
             <a:r>
               <a:rPr lang="en-US" altLang="zh-CN"/>
-              <a:t>php start.php start/stop/restart</a:t>
+              <a:t>php start.php start/stop/restart/status</a:t>
+            </a:r>
+            <a:endParaRPr lang="zh-CN" altLang="en-US"/>
+          </a:p>
+          <a:p>
+            <a:pPr lvl="1"/>
+            <a:r>
+              <a:rPr lang="en-US" altLang="zh-CN"/>
+              <a:t>register:1238-&lt;gateway, worker&gt;</a:t>
             </a:r>
             <a:endParaRPr lang="en-US" altLang="zh-CN"/>
           </a:p>
@@ -2951,20 +2983,28 @@
             <a:pPr lvl="1"/>
             <a:r>
               <a:rPr lang="en-US" altLang="zh-CN"/>
-              <a:t>register:1238</a:t>
+              <a:t>gateway:8001 -&lt;</a:t>
+            </a:r>
+            <a:r>
+              <a:rPr lang="zh-CN" altLang="en-US"/>
+              <a:t>用户</a:t>
+            </a:r>
+            <a:r>
+              <a:rPr lang="en-US" altLang="zh-CN"/>
+              <a:t>&gt;</a:t>
             </a:r>
             <a:endParaRPr lang="en-US" altLang="zh-CN"/>
           </a:p>
           <a:p>
             <a:pPr lvl="1"/>
+            <a:endParaRPr lang="en-US" altLang="zh-CN"/>
+          </a:p>
+          <a:p>
+            <a:pPr lvl="0"/>
             <a:r>
               <a:rPr lang="en-US" altLang="zh-CN"/>
-              <a:t>gateway:8001</a:t>
-            </a:r>
-            <a:endParaRPr lang="en-US" altLang="zh-CN"/>
-          </a:p>
-          <a:p>
-            <a:pPr lvl="1"/>
+              <a:t>http://www.workerman.net/gatewaydoc/</a:t>
+            </a:r>
             <a:endParaRPr lang="en-US" altLang="zh-CN"/>
           </a:p>
         </p:txBody>
@@ -3058,9 +3098,9 @@
             <a:pPr lvl="1"/>
             <a:r>
               <a:rPr lang="en-US" altLang="zh-CN"/>
-              <a:t>2181</a:t>
-            </a:r>
-            <a:endParaRPr lang="en-US" altLang="zh-CN"/>
+              <a:t>2181 &lt;storm.nimbus, storm.supervisor&gt;</a:t>
+            </a:r>
+            <a:endParaRPr lang="zh-CN" altLang="en-US"/>
           </a:p>
           <a:p>
             <a:pPr lvl="2"/>
@@ -3120,7 +3160,20 @@
         </p:nvSpPr>
         <p:spPr/>
         <p:txBody>
-          <a:bodyPr/>
+          <a:bodyPr>
+            <a:normAutofit lnSpcReduction="10000"/>
+          </a:bodyPr>
+          <a:p>
+            <a:r>
+              <a:rPr lang="en-US" altLang="zh-CN">
+                <a:sym typeface="+mn-ea"/>
+              </a:rPr>
+              <a:t>http://www.jstorm.io/</a:t>
+            </a:r>
+            <a:endParaRPr lang="en-US" altLang="zh-CN">
+              <a:sym typeface="+mn-ea"/>
+            </a:endParaRPr>
+          </a:p>
           <a:p>
             <a:r>
               <a:rPr lang="en-US" altLang="zh-CN">
@@ -3489,7 +3542,11 @@
         <p:txBody>
           <a:bodyPr/>
           <a:p>
-            <a:endParaRPr lang="zh-CN" altLang="en-US"/>
+            <a:r>
+              <a:rPr lang="zh-CN" altLang="en-US"/>
+              <a:t>例子：com.zdx.rocketmq </a:t>
+            </a:r>
+            <a:endParaRPr lang="en-US" altLang="zh-CN"/>
           </a:p>
         </p:txBody>
       </p:sp>
@@ -3710,7 +3767,11 @@
         <p:txBody>
           <a:bodyPr/>
           <a:p>
-            <a:endParaRPr lang="en-US" altLang="zh-CN"/>
+            <a:r>
+              <a:rPr lang="zh-CN" altLang="en-US"/>
+              <a:t>例子</a:t>
+            </a:r>
+            <a:endParaRPr lang="zh-CN" altLang="en-US"/>
           </a:p>
         </p:txBody>
       </p:sp>
@@ -3769,6 +3830,12 @@
           <a:p>
             <a:pPr lvl="1"/>
             <a:r>
+              <a:rPr lang="en-US" altLang="zh-CN">
+                <a:sym typeface="+mn-ea"/>
+              </a:rPr>
+              <a:t>JStorm-&gt;Spout</a:t>
+            </a:r>
+            <a:r>
               <a:rPr lang="zh-CN" altLang="en-US">
                 <a:sym typeface="+mn-ea"/>
               </a:rPr>
@@ -3798,7 +3865,7 @@
               </a:rPr>
               <a:t>取出消息</a:t>
             </a:r>
-            <a:endParaRPr lang="zh-CN" altLang="en-US">
+            <a:endParaRPr lang="en-US" altLang="zh-CN">
               <a:sym typeface="+mn-ea"/>
             </a:endParaRPr>
           </a:p>
@@ -3808,31 +3875,25 @@
               <a:rPr lang="zh-CN" altLang="en-US">
                 <a:sym typeface="+mn-ea"/>
               </a:rPr>
-              <a:t>单独消费</a:t>
-            </a:r>
-            <a:endParaRPr lang="zh-CN" altLang="en-US">
+              <a:t>传递消息给</a:t>
+            </a:r>
+            <a:r>
+              <a:rPr lang="en-US" altLang="zh-CN">
+                <a:sym typeface="+mn-ea"/>
+              </a:rPr>
+              <a:t>JStorm-&gt;Bolt</a:t>
+            </a:r>
+            <a:endParaRPr lang="en-US" altLang="zh-CN">
               <a:sym typeface="+mn-ea"/>
             </a:endParaRPr>
           </a:p>
           <a:p>
             <a:pPr lvl="1"/>
             <a:r>
-              <a:rPr lang="zh-CN" altLang="en-US">
-                <a:sym typeface="+mn-ea"/>
-              </a:rPr>
-              <a:t>传递消息给</a:t>
-            </a:r>
-            <a:r>
               <a:rPr lang="en-US" altLang="zh-CN">
                 <a:sym typeface="+mn-ea"/>
               </a:rPr>
-              <a:t>J</a:t>
-            </a:r>
-            <a:r>
-              <a:rPr lang="en-US" altLang="zh-CN">
-                <a:sym typeface="+mn-ea"/>
-              </a:rPr>
-              <a:t>Storm</a:t>
+              <a:t>Bolt-&gt;GatewayWorker</a:t>
             </a:r>
             <a:endParaRPr lang="en-US" altLang="zh-CN">
               <a:sym typeface="+mn-ea"/>
@@ -4358,7 +4419,7 @@
           <a:p>
             <a:r>
               <a:rPr lang="en-US" altLang="zh-CN"/>
-              <a:t>Pure jar</a:t>
+              <a:t>http://www.parallec.io/</a:t>
             </a:r>
             <a:endParaRPr lang="en-US" altLang="zh-CN"/>
           </a:p>
@@ -4417,7 +4478,7 @@
         <p:spPr/>
         <p:txBody>
           <a:bodyPr>
-            <a:normAutofit lnSpcReduction="10000"/>
+            <a:normAutofit lnSpcReduction="20000"/>
           </a:bodyPr>
           <a:p>
             <a:r>
@@ -4472,7 +4533,25 @@
               <a:rPr lang="zh-CN" altLang="en-US">
                 <a:sym typeface="+mn-ea"/>
               </a:rPr>
-              <a:t>nohup sh bin/mqbroker -n 182.92.150.57:9876 &amp;</a:t>
+              <a:t>nohup sh bin/mqbroker -n 182.92.150.57:9876 </a:t>
+            </a:r>
+            <a:r>
+              <a:rPr lang="en-US" altLang="zh-CN">
+                <a:sym typeface="+mn-ea"/>
+              </a:rPr>
+              <a:t>-c </a:t>
+            </a:r>
+            <a:r>
+              <a:rPr lang="zh-CN" altLang="en-US">
+                <a:sym typeface="+mn-ea"/>
+              </a:rPr>
+              <a:t>broker.properties </a:t>
+            </a:r>
+            <a:r>
+              <a:rPr lang="zh-CN" altLang="en-US">
+                <a:sym typeface="+mn-ea"/>
+              </a:rPr>
+              <a:t>&amp;</a:t>
             </a:r>
             <a:endParaRPr lang="zh-CN" altLang="en-US"/>
           </a:p>
@@ -4505,6 +4584,14 @@
             <a:r>
               <a:rPr lang="zh-CN" altLang="en-US"/>
               <a:t>sh bin/mqshutdown namesrv</a:t>
+            </a:r>
+            <a:endParaRPr lang="zh-CN" altLang="en-US"/>
+          </a:p>
+          <a:p>
+            <a:pPr lvl="0"/>
+            <a:r>
+              <a:rPr lang="zh-CN" altLang="en-US"/>
+              <a:t>http://rocketmq.apache.org/</a:t>
             </a:r>
             <a:endParaRPr lang="zh-CN" altLang="en-US"/>
           </a:p>
@@ -4658,13 +4745,7 @@
               <a:rPr lang="zh-CN" altLang="en-US">
                 <a:sym typeface="+mn-ea"/>
               </a:rPr>
-              <a:t>182.92.150.57</a:t>
-            </a:r>
-            <a:r>
-              <a:rPr lang="zh-CN" altLang="en-US">
-                <a:sym typeface="+mn-ea"/>
-              </a:rPr>
-              <a:t>:9876</a:t>
+              <a:t>182.92.150.57:9876</a:t>
             </a:r>
             <a:endParaRPr lang="en-US" altLang="zh-CN"/>
           </a:p>

--- a/doc/Coin.pptx
+++ b/doc/Coin.pptx
@@ -2802,7 +2802,7 @@
           <a:p>
             <a:r>
               <a:rPr lang="en-US" altLang="zh-CN">
-                <a:hlinkClick r:id="rId1" tooltip=""/>
+                <a:hlinkClick r:id="rId1"/>
               </a:rPr>
               <a:t>http://lcs.ios.ac.cn/~duliang</a:t>
             </a:r>
@@ -2908,6 +2908,22 @@
             <a:endParaRPr lang="en-US" altLang="zh-CN"/>
           </a:p>
           <a:p>
+            <a:pPr lvl="1"/>
+            <a:r>
+              <a:rPr lang="zh-CN" altLang="en-US">
+                <a:sym typeface="+mn-ea"/>
+              </a:rPr>
+              <a:t>手动多线程驱动</a:t>
+            </a:r>
+            <a:r>
+              <a:rPr lang="en-US" altLang="zh-CN">
+                <a:sym typeface="+mn-ea"/>
+              </a:rPr>
+              <a:t>https client</a:t>
+            </a:r>
+            <a:endParaRPr lang="en-US" altLang="zh-CN"/>
+          </a:p>
+          <a:p>
             <a:endParaRPr lang="zh-CN" altLang="en-US"/>
           </a:p>
           <a:p>
@@ -2969,7 +2985,7 @@
         </p:nvSpPr>
         <p:spPr>
           <a:xfrm>
-            <a:off x="6856730" y="3790950"/>
+            <a:off x="6876415" y="4139565"/>
             <a:ext cx="3430905" cy="645160"/>
           </a:xfrm>
           <a:prstGeom prst="rect">
@@ -3081,7 +3097,7 @@
                 <a:solidFill>
                   <a:srgbClr val="FF0000"/>
                 </a:solidFill>
-                <a:hlinkClick r:id="rId1" tooltip=""/>
+                <a:hlinkClick r:id="rId1"/>
               </a:rPr>
               <a:t>http://www.parallec.io/</a:t>
             </a:r>
@@ -3532,139 +3548,139 @@
         </p:spPr>
         <p:txBody>
           <a:bodyPr>
-            <a:normAutofit fontScale="60000"/>
+            <a:normAutofit lnSpcReduction="10000"/>
           </a:bodyPr>
           <a:p>
             <a:pPr>
               <a:lnSpc>
-                <a:spcPct val="170000"/>
+                <a:spcPct val="100000"/>
               </a:lnSpc>
             </a:pPr>
             <a:r>
-              <a:rPr lang="zh-CN" altLang="en-US" sz="1800"/>
+              <a:rPr lang="zh-CN" altLang="en-US" sz="1600"/>
               <a:t>可扩展并且快速：使用Akka和异步HTTP客户端最大化并发；在1分钟内发送并聚合来自于10,000+台服务器的响应。</a:t>
             </a:r>
-            <a:endParaRPr lang="zh-CN" altLang="en-US" sz="1800"/>
+            <a:endParaRPr lang="zh-CN" altLang="en-US" sz="1600"/>
           </a:p>
           <a:p>
             <a:pPr>
               <a:lnSpc>
-                <a:spcPct val="170000"/>
+                <a:spcPct val="100000"/>
               </a:lnSpc>
             </a:pPr>
             <a:r>
-              <a:rPr lang="zh-CN" altLang="en-US" sz="1800"/>
+              <a:rPr lang="zh-CN" altLang="en-US" sz="1600"/>
               <a:t>功能强大：以近乎实时的响应分析或配置推送发送统一的或者节点特定的请求。实现了请求级别的并发控制（内置了可以随意定制的节流阀(throttling)）。</a:t>
             </a:r>
-            <a:endParaRPr lang="zh-CN" altLang="en-US" sz="1800"/>
+            <a:endParaRPr lang="zh-CN" altLang="en-US" sz="1600"/>
           </a:p>
           <a:p>
             <a:pPr>
               <a:lnSpc>
-                <a:spcPct val="170000"/>
+                <a:spcPct val="100000"/>
               </a:lnSpc>
             </a:pPr>
             <a:r>
-              <a:rPr lang="zh-CN" altLang="en-US" sz="1800"/>
+              <a:rPr lang="zh-CN" altLang="en-US" sz="1600"/>
               <a:t>通用性：通用的HTTP请求。使用用户定义的正则表达式匹配通用的响应聚合。对节点特定的请求在请求模版中使用通用变量替换。</a:t>
             </a:r>
-            <a:endParaRPr lang="zh-CN" altLang="en-US" sz="1800"/>
+            <a:endParaRPr lang="zh-CN" altLang="en-US" sz="1600"/>
           </a:p>
           <a:p>
             <a:pPr>
               <a:lnSpc>
-                <a:spcPct val="170000"/>
+                <a:spcPct val="100000"/>
               </a:lnSpc>
             </a:pPr>
             <a:r>
-              <a:rPr lang="zh-CN" altLang="en-US" sz="1800"/>
+              <a:rPr lang="zh-CN" altLang="en-US" sz="1600"/>
               <a:t>开箱即用：敏捷。零安装需要。可随意改变请求和目标服务器。不需要设置数据库。本地一键运行。</a:t>
             </a:r>
-            <a:endParaRPr lang="zh-CN" altLang="en-US" sz="1800"/>
+            <a:endParaRPr lang="zh-CN" altLang="en-US" sz="1600"/>
           </a:p>
           <a:p>
             <a:pPr>
               <a:lnSpc>
-                <a:spcPct val="170000"/>
+                <a:spcPct val="100000"/>
               </a:lnSpc>
             </a:pPr>
             <a:r>
-              <a:rPr lang="zh-CN" altLang="en-US" sz="1800"/>
+              <a:rPr lang="zh-CN" altLang="en-US" sz="1600"/>
               <a:t>用户友好：使用Java语言、Play框架、Bootstrap和它的应用程序向导构建，Commander允许通过易用的Web UI向导和强大的REST API发送请求。可以在一个单独的REST调用中定义ad hoc请求、目标服务器和正则聚合规则。</a:t>
             </a:r>
-            <a:endParaRPr lang="zh-CN" altLang="en-US" sz="1800"/>
+            <a:endParaRPr lang="zh-CN" altLang="en-US" sz="1600"/>
           </a:p>
           <a:p>
             <a:pPr>
               <a:lnSpc>
-                <a:spcPct val="170000"/>
+                <a:spcPct val="100000"/>
               </a:lnSpc>
             </a:pPr>
             <a:r>
-              <a:rPr lang="zh-CN" altLang="en-US" sz="1800"/>
+              <a:rPr lang="zh-CN" altLang="en-US" sz="1600"/>
               <a:t>无代理监控：可以对来自于ad hoc服务器列表中的所有HTTP结果进行快速地检查，通过正则表达式匹配聚合通用响应。没有依赖，不需要安装。</a:t>
             </a:r>
-            <a:endParaRPr lang="zh-CN" altLang="en-US" sz="1800"/>
+            <a:endParaRPr lang="zh-CN" altLang="en-US" sz="1600"/>
           </a:p>
           <a:p>
             <a:pPr>
               <a:lnSpc>
-                <a:spcPct val="170000"/>
+                <a:spcPct val="100000"/>
               </a:lnSpc>
             </a:pPr>
             <a:r>
-              <a:rPr lang="zh-CN" altLang="en-US" sz="1800"/>
+              <a:rPr lang="zh-CN" altLang="en-US" sz="1600"/>
               <a:t>配置推送：如果有HTTP（REST/SOAP）API要执行，将统一的或者节点特定的配置推送到HTTP端点。</a:t>
             </a:r>
-            <a:endParaRPr lang="zh-CN" altLang="en-US" sz="1800"/>
+            <a:endParaRPr lang="zh-CN" altLang="en-US" sz="1600"/>
           </a:p>
           <a:p>
             <a:pPr>
               <a:lnSpc>
-                <a:spcPct val="170000"/>
+                <a:spcPct val="100000"/>
               </a:lnSpc>
             </a:pPr>
             <a:r>
-              <a:rPr lang="zh-CN" altLang="en-US" sz="1800"/>
+              <a:rPr lang="zh-CN" altLang="en-US" sz="1600"/>
               <a:t>将N个请求发送到1个目标：可以同时将大量不同的请求发送到某台单独的目标服务器。例如，查找某台服务器上的大量工作状态。调节服务器容量的并发控制。</a:t>
             </a:r>
-            <a:endParaRPr lang="zh-CN" altLang="en-US" sz="1800"/>
+            <a:endParaRPr lang="zh-CN" altLang="en-US" sz="1600"/>
           </a:p>
           <a:p>
             <a:pPr>
               <a:lnSpc>
-                <a:spcPct val="170000"/>
+                <a:spcPct val="100000"/>
               </a:lnSpc>
             </a:pPr>
             <a:r>
-              <a:rPr lang="zh-CN" altLang="en-US" sz="1800"/>
+              <a:rPr lang="zh-CN" altLang="en-US" sz="1600"/>
               <a:t>IT编排：将多步骤HTTP工作流程扩展到数以千计的HTTP端点。</a:t>
             </a:r>
-            <a:endParaRPr lang="zh-CN" altLang="en-US" sz="1800"/>
+            <a:endParaRPr lang="zh-CN" altLang="en-US" sz="1600"/>
           </a:p>
           <a:p>
             <a:pPr>
               <a:lnSpc>
-                <a:spcPct val="170000"/>
+                <a:spcPct val="100000"/>
               </a:lnSpc>
             </a:pPr>
             <a:r>
-              <a:rPr lang="zh-CN" altLang="en-US" sz="1800"/>
+              <a:rPr lang="zh-CN" altLang="en-US" sz="1600"/>
               <a:t>发现异常值：借助于HTTP API即时从数千台服务器中发现配置错误的服务器。</a:t>
             </a:r>
-            <a:endParaRPr lang="zh-CN" altLang="en-US" sz="1800"/>
+            <a:endParaRPr lang="zh-CN" altLang="en-US" sz="1600"/>
           </a:p>
           <a:p>
             <a:pPr>
               <a:lnSpc>
-                <a:spcPct val="170000"/>
+                <a:spcPct val="100000"/>
               </a:lnSpc>
             </a:pPr>
             <a:r>
-              <a:rPr lang="zh-CN" altLang="en-US" sz="1800"/>
+              <a:rPr lang="zh-CN" altLang="en-US" sz="1600"/>
               <a:t>自动修复：如果你的配置变更请求是幂等的，那么Commander能够很容易地通过定期的配置推送保证配置的正确性。</a:t>
             </a:r>
-            <a:endParaRPr lang="zh-CN" altLang="en-US" sz="1800"/>
+            <a:endParaRPr lang="zh-CN" altLang="en-US" sz="1600"/>
           </a:p>
         </p:txBody>
       </p:sp>
@@ -3704,13 +3720,7 @@
               <a:rPr lang="zh-CN" altLang="en-US">
                 <a:sym typeface="+mn-ea"/>
               </a:rPr>
-              <a:t>REST Commander</a:t>
-            </a:r>
-            <a:r>
-              <a:rPr lang="zh-CN" altLang="en-US">
-                <a:sym typeface="+mn-ea"/>
-              </a:rPr>
-              <a:t>性能 (SLA)</a:t>
+              <a:t>REST Commander性能 (SLA)</a:t>
             </a:r>
             <a:endParaRPr lang="zh-CN" altLang="en-US"/>
           </a:p>
@@ -4191,9 +4201,14 @@
         <p:spPr/>
         <p:txBody>
           <a:bodyPr>
-            <a:normAutofit lnSpcReduction="20000"/>
+            <a:normAutofit fontScale="90000"/>
           </a:bodyPr>
           <a:p>
+            <a:pPr>
+              <a:lnSpc>
+                <a:spcPct val="100000"/>
+              </a:lnSpc>
+            </a:pPr>
             <a:r>
               <a:rPr lang="zh-CN" altLang="en-US"/>
               <a:t>管理监控大量HTTP/TCP/UDP服务器，ping海量服务器</a:t>
@@ -4201,6 +4216,11 @@
             <a:endParaRPr lang="zh-CN" altLang="en-US"/>
           </a:p>
           <a:p>
+            <a:pPr>
+              <a:lnSpc>
+                <a:spcPct val="100000"/>
+              </a:lnSpc>
+            </a:pPr>
             <a:r>
               <a:rPr lang="zh-CN" altLang="en-US"/>
               <a:t>集群机器状态、配置探索，基于HTTP(S)/TCP/UDP Agent 或者 无agent 的大量远程任务执行，软件部署, 网络监控. HTTP支持SSL 客户端认证</a:t>
@@ -4208,6 +4228,11 @@
             <a:endParaRPr lang="zh-CN" altLang="en-US"/>
           </a:p>
           <a:p>
+            <a:pPr>
+              <a:lnSpc>
+                <a:spcPct val="100000"/>
+              </a:lnSpc>
+            </a:pPr>
             <a:r>
               <a:rPr lang="zh-CN" altLang="en-US"/>
               <a:t>海量API聚集到任意数据存储，数据流入口</a:t>
@@ -4215,6 +4240,11 @@
             <a:endParaRPr lang="zh-CN" altLang="en-US"/>
           </a:p>
           <a:p>
+            <a:pPr>
+              <a:lnSpc>
+                <a:spcPct val="100000"/>
+              </a:lnSpc>
+            </a:pPr>
             <a:r>
               <a:rPr lang="zh-CN" altLang="en-US"/>
               <a:t>并行工作流，自动检测任务进度，以便支持并行处理异步API</a:t>
@@ -4222,6 +4252,11 @@
             <a:endParaRPr lang="zh-CN" altLang="en-US"/>
           </a:p>
           <a:p>
+            <a:pPr>
+              <a:lnSpc>
+                <a:spcPct val="100000"/>
+              </a:lnSpc>
+            </a:pPr>
             <a:r>
               <a:rPr lang="zh-CN" altLang="en-US"/>
               <a:t>可控并行的，多个不同API请求到同一个HTTP服务器。HTTP请求模板可以在URL, HTTP Header, EntityBody不同地方进行变量替换。这样可以很方便的对那些有REST API的数据库或者网络服务器进行并行的CRUD操作。</a:t>
@@ -4229,6 +4264,11 @@
             <a:endParaRPr lang="zh-CN" altLang="en-US"/>
           </a:p>
           <a:p>
+            <a:pPr>
+              <a:lnSpc>
+                <a:spcPct val="100000"/>
+              </a:lnSpc>
+            </a:pPr>
             <a:r>
               <a:rPr lang="zh-CN" altLang="en-US"/>
               <a:t>灵活的Web服务器的压力测试，并将结果传到任何地方。</a:t>
@@ -4293,6 +4333,11 @@
             <a:normAutofit fontScale="70000"/>
           </a:bodyPr>
           <a:p>
+            <a:pPr>
+              <a:lnSpc>
+                <a:spcPct val="100000"/>
+              </a:lnSpc>
+            </a:pPr>
             <a:r>
               <a:rPr lang="zh-CN" altLang="en-US"/>
               <a:t>广泛用于基础设施软件作为</a:t>
@@ -4320,6 +4365,11 @@
             </a:endParaRPr>
           </a:p>
           <a:p>
+            <a:pPr>
+              <a:lnSpc>
+                <a:spcPct val="100000"/>
+              </a:lnSpc>
+            </a:pPr>
             <a:r>
               <a:rPr lang="zh-CN" altLang="en-US"/>
               <a:t>应用程序部署/ PaaS：Parallec已集成在eBay主要生产应用程序部署系统（PaaS）中。 Parallec协调10+个API任务，每**个任务针对生产中超过1,000个应用程序池的10到1,000个服务器。 Parallec已经与工作流引擎Winder一起使用来处理复杂的部署工作流程。</a:t>
@@ -4327,6 +4377,11 @@
             <a:endParaRPr lang="zh-CN" altLang="en-US"/>
           </a:p>
           <a:p>
+            <a:pPr>
+              <a:lnSpc>
+                <a:spcPct val="100000"/>
+              </a:lnSpc>
+            </a:pPr>
             <a:r>
               <a:rPr lang="zh-CN" altLang="en-US"/>
               <a:t>数据提取/ ETL：Parallec已被eBay以色列的结构化大数据团队用于对单个第三方服务器执行10k-100k API并行调用，具有显着改进的性能和减少的资源。</a:t>
@@ -4334,6 +4389,11 @@
             <a:endParaRPr lang="zh-CN" altLang="en-US"/>
           </a:p>
           <a:p>
+            <a:pPr>
+              <a:lnSpc>
+                <a:spcPct val="100000"/>
+              </a:lnSpc>
+            </a:pPr>
             <a:r>
               <a:rPr lang="zh-CN" altLang="en-US"/>
               <a:t>主动探测进行网络故障排除：在eBay的网络/云团队中，Parallec有助于确保极低的错误警报率，从而准确检测交换机软故障。 Parallec在Master组件中充当核心轮询引擎，以检查Agent运行状况，及时有效地消除噪音和错误报警。</a:t>
@@ -4341,6 +4401,11 @@
             <a:endParaRPr lang="zh-CN" altLang="en-US"/>
           </a:p>
           <a:p>
+            <a:pPr>
+              <a:lnSpc>
+                <a:spcPct val="100000"/>
+              </a:lnSpc>
+            </a:pPr>
             <a:r>
               <a:rPr lang="zh-CN" altLang="en-US"/>
               <a:t>Agent管理/Agent Master：在eBay的网站操作/工具团队中，Parallec作为核心引擎，在100,000个生产服务器上管理和监控一种和 puppet agent / salt minion / kubernetes kubelet 类似的agent，以确保快速大规模的并行的操作。</a:t>
@@ -9269,7 +9334,7 @@
                 <a:solidFill>
                   <a:srgbClr val="FF0000"/>
                 </a:solidFill>
-                <a:hlinkClick r:id="rId1" tooltip=""/>
+                <a:hlinkClick r:id="rId1"/>
               </a:rPr>
               <a:t>http://rocketmq.apache.org/</a:t>
             </a:r>
@@ -9914,6 +9979,11 @@
             <a:normAutofit fontScale="70000"/>
           </a:bodyPr>
           <a:p>
+            <a:pPr>
+              <a:lnSpc>
+                <a:spcPct val="100000"/>
+              </a:lnSpc>
+            </a:pPr>
             <a:r>
               <a:rPr lang="zh-CN" altLang="en-US"/>
               <a:t>Name Server是一个几乎无状态节点，可集群部署，节点之间无任何信息同步。</a:t>
@@ -9921,6 +9991,11 @@
             <a:endParaRPr lang="zh-CN" altLang="en-US"/>
           </a:p>
           <a:p>
+            <a:pPr>
+              <a:lnSpc>
+                <a:spcPct val="100000"/>
+              </a:lnSpc>
+            </a:pPr>
             <a:r>
               <a:rPr lang="zh-CN" altLang="en-US"/>
               <a:t>Broker部署相对复杂，Broker分为Master与Slave，一个Master可以对应多个Slave，但是一个Slave只能对应一个Master，Master与Slave的对应关系通过指定相同的BrokerName，不同的BrokerId来定义，BrokerId为0表示Master，非0表示Slave。Master也可以部署多个。每个Broker与Name Server集群中的所有节点建立长连接，定时注册Topic信息到所有Name Server。</a:t>
@@ -9928,6 +10003,11 @@
             <a:endParaRPr lang="zh-CN" altLang="en-US"/>
           </a:p>
           <a:p>
+            <a:pPr>
+              <a:lnSpc>
+                <a:spcPct val="100000"/>
+              </a:lnSpc>
+            </a:pPr>
             <a:r>
               <a:rPr lang="zh-CN" altLang="en-US"/>
               <a:t>Producer与Name Server集群中的其中一个节点（随机选择）建立长连接，定期从Name Server取Topic路由信息，并向提供Topic服务的Master建立长连接，且定时向Master发送心跳。Producer完全无状态，可集群部署。</a:t>
@@ -9935,6 +10015,11 @@
             <a:endParaRPr lang="zh-CN" altLang="en-US"/>
           </a:p>
           <a:p>
+            <a:pPr>
+              <a:lnSpc>
+                <a:spcPct val="100000"/>
+              </a:lnSpc>
+            </a:pPr>
             <a:r>
               <a:rPr lang="zh-CN" altLang="en-US"/>
               <a:t>Consumer与Name Server集群中的其中一个节点（随机选择）建立长连接，定期从Name Server取Topic路由信息，并向提供Topic服务的Master、Slave建立长连接，且定时向Master、Slave发送心跳。Consumer既可以从Master订阅消息，也可以从Slave订阅消息，订阅规则由Broker配置决定。</a:t>
@@ -9996,9 +10081,14 @@
         <p:spPr/>
         <p:txBody>
           <a:bodyPr>
-            <a:normAutofit fontScale="70000"/>
+            <a:normAutofit fontScale="60000"/>
           </a:bodyPr>
           <a:p>
+            <a:pPr>
+              <a:lnSpc>
+                <a:spcPct val="100000"/>
+              </a:lnSpc>
+            </a:pPr>
             <a:r>
               <a:rPr lang="zh-CN" altLang="en-US"/>
               <a:t>是一个队列模型的消息中间件，具有高性能、高可靠、高实时、分布式特点。</a:t>
@@ -10006,6 +10096,11 @@
             <a:endParaRPr lang="zh-CN" altLang="en-US"/>
           </a:p>
           <a:p>
+            <a:pPr>
+              <a:lnSpc>
+                <a:spcPct val="100000"/>
+              </a:lnSpc>
+            </a:pPr>
             <a:r>
               <a:rPr lang="zh-CN" altLang="en-US"/>
               <a:t>Producer、Consumer、队列都可以分布式。</a:t>
@@ -10013,6 +10108,11 @@
             <a:endParaRPr lang="zh-CN" altLang="en-US"/>
           </a:p>
           <a:p>
+            <a:pPr>
+              <a:lnSpc>
+                <a:spcPct val="100000"/>
+              </a:lnSpc>
+            </a:pPr>
             <a:r>
               <a:rPr lang="zh-CN" altLang="en-US"/>
               <a:t>Producer向一些队列轮流发送消息，队列集合称为Topic，Consumer如果做广播消费，则一个consumer实例消费这个Topic对应的所有队列，如果做集群消费，则多个Consumer实例平均消费这个topic对应的队列集合。</a:t>
@@ -10020,6 +10120,11 @@
             <a:endParaRPr lang="zh-CN" altLang="en-US"/>
           </a:p>
           <a:p>
+            <a:pPr>
+              <a:lnSpc>
+                <a:spcPct val="100000"/>
+              </a:lnSpc>
+            </a:pPr>
             <a:r>
               <a:rPr lang="zh-CN" altLang="en-US"/>
               <a:t>能够保证严格的消息顺序</a:t>
@@ -10027,6 +10132,11 @@
             <a:endParaRPr lang="zh-CN" altLang="en-US"/>
           </a:p>
           <a:p>
+            <a:pPr>
+              <a:lnSpc>
+                <a:spcPct val="100000"/>
+              </a:lnSpc>
+            </a:pPr>
             <a:r>
               <a:rPr lang="zh-CN" altLang="en-US"/>
               <a:t>提供丰富的消息拉取模式</a:t>
@@ -10034,6 +10144,11 @@
             <a:endParaRPr lang="zh-CN" altLang="en-US"/>
           </a:p>
           <a:p>
+            <a:pPr>
+              <a:lnSpc>
+                <a:spcPct val="100000"/>
+              </a:lnSpc>
+            </a:pPr>
             <a:r>
               <a:rPr lang="zh-CN" altLang="en-US"/>
               <a:t>高效的订阅者水平扩展能力</a:t>
@@ -10041,6 +10156,11 @@
             <a:endParaRPr lang="zh-CN" altLang="en-US"/>
           </a:p>
           <a:p>
+            <a:pPr>
+              <a:lnSpc>
+                <a:spcPct val="100000"/>
+              </a:lnSpc>
+            </a:pPr>
             <a:r>
               <a:rPr lang="zh-CN" altLang="en-US"/>
               <a:t>实时的消息订阅机制</a:t>
@@ -10048,6 +10168,11 @@
             <a:endParaRPr lang="zh-CN" altLang="en-US"/>
           </a:p>
           <a:p>
+            <a:pPr>
+              <a:lnSpc>
+                <a:spcPct val="100000"/>
+              </a:lnSpc>
+            </a:pPr>
             <a:r>
               <a:rPr lang="zh-CN" altLang="en-US"/>
               <a:t>亿级消息堆积能力</a:t>
@@ -10055,6 +10180,11 @@
             <a:endParaRPr lang="zh-CN" altLang="en-US"/>
           </a:p>
           <a:p>
+            <a:pPr>
+              <a:lnSpc>
+                <a:spcPct val="100000"/>
+              </a:lnSpc>
+            </a:pPr>
             <a:r>
               <a:rPr lang="zh-CN" altLang="en-US"/>
               <a:t>较少的依赖</a:t>
@@ -11791,9 +11921,21 @@
           <a:p>
             <a:r>
               <a:rPr lang="zh-CN" altLang="en-US" sz="3600"/>
-              <a:t>大数据最大的问题是没有数据</a:t>
-            </a:r>
-            <a:endParaRPr lang="zh-CN" altLang="en-US" sz="3600"/>
+              <a:t>大数据最大的问题是</a:t>
+            </a:r>
+            <a:r>
+              <a:rPr lang="zh-CN" altLang="en-US" sz="3600">
+                <a:solidFill>
+                  <a:srgbClr val="FF0000"/>
+                </a:solidFill>
+              </a:rPr>
+              <a:t>没有数据</a:t>
+            </a:r>
+            <a:endParaRPr lang="zh-CN" altLang="en-US" sz="3600">
+              <a:solidFill>
+                <a:srgbClr val="FF0000"/>
+              </a:solidFill>
+            </a:endParaRPr>
           </a:p>
         </p:txBody>
       </p:sp>
@@ -12976,7 +13118,7 @@
             <a:pPr lvl="1"/>
             <a:r>
               <a:rPr lang="en-US" altLang="zh-CN">
-                <a:hlinkClick r:id="rId1" tooltip=""/>
+                <a:hlinkClick r:id="rId1"/>
               </a:rPr>
               <a:t>http://www.jstorm.io/</a:t>
             </a:r>
@@ -13397,6 +13539,11 @@
         <p:txBody>
           <a:bodyPr/>
           <a:p>
+            <a:pPr>
+              <a:lnSpc>
+                <a:spcPct val="100000"/>
+              </a:lnSpc>
+            </a:pPr>
             <a:r>
               <a:rPr lang="zh-CN" altLang="en-US"/>
               <a:t>首先，JStorm有点类似于Hadoop的MR（Map-Reduce），但是区别在于，hadoop的MR，提交到hadoop的MR job，执行完就结束了，进程就退出了，而一个JStorm任务（JStorm中称为topology），是7*24小时永远在运行的，除非用户主动kill。</a:t>
@@ -13580,9 +13727,14 @@
         <p:spPr/>
         <p:txBody>
           <a:bodyPr>
-            <a:normAutofit/>
+            <a:normAutofit lnSpcReduction="10000"/>
           </a:bodyPr>
           <a:p>
+            <a:pPr>
+              <a:lnSpc>
+                <a:spcPct val="100000"/>
+              </a:lnSpc>
+            </a:pPr>
             <a:r>
               <a:rPr lang="zh-CN" altLang="en-US"/>
               <a:t>spout</a:t>
@@ -13590,7 +13742,11 @@
             <a:endParaRPr lang="zh-CN" altLang="en-US"/>
           </a:p>
           <a:p>
-            <a:pPr lvl="1"/>
+            <a:pPr lvl="1">
+              <a:lnSpc>
+                <a:spcPct val="100000"/>
+              </a:lnSpc>
+            </a:pPr>
             <a:r>
               <a:rPr lang="zh-CN" altLang="en-US"/>
               <a:t>spout代表输入的数据源，这个数据源可以是任意的，比如说kafka，DB，HBase，甚至是HDFS等，JStorm从这个数据源中不断地读取数据，然后发送到下游的bolt中进行处理。</a:t>
@@ -13598,7 +13754,11 @@
             <a:endParaRPr lang="zh-CN" altLang="en-US"/>
           </a:p>
           <a:p>
-            <a:pPr lvl="0"/>
+            <a:pPr lvl="0">
+              <a:lnSpc>
+                <a:spcPct val="100000"/>
+              </a:lnSpc>
+            </a:pPr>
             <a:r>
               <a:rPr lang="zh-CN" altLang="en-US"/>
               <a:t>bolt</a:t>
@@ -13606,7 +13766,11 @@
             <a:endParaRPr lang="zh-CN" altLang="en-US"/>
           </a:p>
           <a:p>
-            <a:pPr lvl="1"/>
+            <a:pPr lvl="1">
+              <a:lnSpc>
+                <a:spcPct val="100000"/>
+              </a:lnSpc>
+            </a:pPr>
             <a:r>
               <a:rPr lang="zh-CN" altLang="en-US"/>
               <a:t>bolt代表处理逻辑，bolt收到消息之后，对消息做处理（即执行用户的业务逻辑），处理完以后，既可以将处理后的消息继续发送到下游的bolt，这样会形成一个处理流水线（pipeline，不过更精确的应该是个有向图）；也可以直接结束。</a:t>
@@ -13614,7 +13778,11 @@
             <a:endParaRPr lang="zh-CN" altLang="en-US"/>
           </a:p>
           <a:p>
-            <a:pPr lvl="1"/>
+            <a:pPr lvl="1">
+              <a:lnSpc>
+                <a:spcPct val="100000"/>
+              </a:lnSpc>
+            </a:pPr>
             <a:r>
               <a:rPr lang="zh-CN" altLang="en-US"/>
               <a:t>通常一个流水线的最后一个bolt，会做一些数据的存储工作，比如将实时计算出来的数据写入DB、HBase等，以供前台业务进行查询和展现。</a:t>
@@ -16857,6 +17025,14 @@
             <a:r>
               <a:rPr lang="en-US" altLang="zh-CN"/>
               <a:t>Browser</a:t>
+            </a:r>
+            <a:endParaRPr lang="en-US" altLang="zh-CN"/>
+          </a:p>
+          <a:p>
+            <a:pPr lvl="1"/>
+            <a:r>
+              <a:rPr lang="en-US" altLang="zh-CN"/>
+              <a:t>...</a:t>
             </a:r>
             <a:endParaRPr lang="en-US" altLang="zh-CN"/>
           </a:p>
@@ -19313,16 +19489,7 @@
                 </a:solidFill>
                 <a:sym typeface="+mn-ea"/>
               </a:rPr>
-              <a:t>Transaction </a:t>
-            </a:r>
-            <a:r>
-              <a:rPr lang="en-US" altLang="zh-CN" sz="4800">
-                <a:solidFill>
-                  <a:srgbClr val="FF0000"/>
-                </a:solidFill>
-                <a:sym typeface="+mn-ea"/>
-              </a:rPr>
-              <a:t>Data</a:t>
+              <a:t>Transaction Data</a:t>
             </a:r>
             <a:endParaRPr lang="en-US" altLang="zh-CN" sz="4800">
               <a:solidFill>
@@ -20716,32 +20883,26 @@
               <a:rPr lang="zh-CN" altLang="en-US" sz="2330">
                 <a:sym typeface="+mn-ea"/>
               </a:rPr>
-              <a:t>Exploitation </a:t>
-            </a:r>
-            <a:r>
-              <a:rPr lang="en-US" altLang="zh-CN" sz="2330">
-                <a:sym typeface="+mn-ea"/>
-              </a:rPr>
-              <a:t>(</a:t>
-            </a:r>
+              <a:t>Exploitation</a:t>
+            </a:r>
+            <a:endParaRPr lang="zh-CN" altLang="en-US" sz="2330">
+              <a:sym typeface="+mn-ea"/>
+            </a:endParaRPr>
+          </a:p>
+          <a:p>
+            <a:pPr marL="457200" lvl="2"/>
+            <a:endParaRPr lang="zh-CN" altLang="en-US" sz="2330">
+              <a:sym typeface="+mn-ea"/>
+            </a:endParaRPr>
+          </a:p>
+          <a:p>
+            <a:pPr marL="457200" lvl="2"/>
             <a:r>
               <a:rPr lang="zh-CN" altLang="en-US" sz="2330">
                 <a:sym typeface="+mn-ea"/>
               </a:rPr>
-              <a:t>开采</a:t>
-            </a:r>
-            <a:r>
-              <a:rPr lang="en-US" altLang="zh-CN" sz="2330">
-                <a:sym typeface="+mn-ea"/>
-              </a:rPr>
-              <a:t>)</a:t>
-            </a:r>
-            <a:endParaRPr lang="en-US" altLang="zh-CN" sz="2330">
-              <a:sym typeface="+mn-ea"/>
-            </a:endParaRPr>
-          </a:p>
-          <a:p>
-            <a:pPr marL="0" lvl="1"/>
+              <a:t> </a:t>
+            </a:r>
             <a:endParaRPr lang="zh-CN" altLang="en-US" sz="2800">
               <a:sym typeface="+mn-ea"/>
             </a:endParaRPr>
@@ -20766,29 +20927,6 @@
               </a:rPr>
               <a:t>Exploration</a:t>
             </a:r>
-            <a:r>
-              <a:rPr lang="en-US" altLang="zh-CN" sz="2330">
-                <a:sym typeface="+mn-ea"/>
-              </a:rPr>
-              <a:t>(</a:t>
-            </a:r>
-            <a:r>
-              <a:rPr lang="zh-CN" altLang="en-US" sz="2330">
-                <a:sym typeface="+mn-ea"/>
-              </a:rPr>
-              <a:t>利用</a:t>
-            </a:r>
-            <a:r>
-              <a:rPr lang="en-US" altLang="zh-CN" sz="2330">
-                <a:sym typeface="+mn-ea"/>
-              </a:rPr>
-              <a:t>)</a:t>
-            </a:r>
-            <a:endParaRPr lang="en-US" altLang="zh-CN" sz="2330">
-              <a:sym typeface="+mn-ea"/>
-            </a:endParaRPr>
-          </a:p>
-          <a:p>
             <a:endParaRPr lang="zh-CN" altLang="en-US"/>
           </a:p>
         </p:txBody>
